--- a/week3/Day 5 - Bad Controls & RD.pptx
+++ b/week3/Day 5 - Bad Controls & RD.pptx
@@ -8640,11 +8640,7 @@
             </a:r>
             <a:r>
               <a:rPr lang="en-US" dirty="0"/>
-              <a:t> </a:t>
-            </a:r>
-            <a:r>
-              <a:rPr lang="en-US" dirty="0"/>
-              <a:t>include: </a:t>
+              <a:t> include: </a:t>
             </a:r>
             <a:r>
               <a:rPr lang="en-US" dirty="0">
@@ -8815,7 +8811,7 @@
         <p:spPr/>
         <p:txBody>
           <a:bodyPr>
-            <a:normAutofit fontScale="92500" lnSpcReduction="10000"/>
+            <a:normAutofit fontScale="85000" lnSpcReduction="20000"/>
           </a:bodyPr>
           <a:lstStyle/>
           <a:p>
@@ -8886,7 +8882,7 @@
             <a:pPr lvl="1"/>
             <a:r>
               <a:rPr lang="en-US" dirty="0"/>
-              <a:t>Student’s favorite NBA player, student’s astrological sign, </a:t>
+              <a:t>Student’s favorite NBA player, student’s astrological sign, whether or not student owns exactly 8 pairs of pants</a:t>
             </a:r>
           </a:p>
           <a:p>
@@ -8911,7 +8907,7 @@
             <a:pPr lvl="1"/>
             <a:r>
               <a:rPr lang="en-US" dirty="0"/>
-              <a:t>Ex: Number of LinkedIn Connections after college</a:t>
+              <a:t>Ex: Number of LinkedIn Connections after college, where student lives after college, other wage data from after college</a:t>
             </a:r>
           </a:p>
         </p:txBody>
@@ -10754,7 +10750,7 @@
             </a:pPr>
             <a:r>
               <a:rPr lang="en-US" altLang="en-US" dirty="0"/>
-              <a:t>However, picking the right cutoff is difficult. You should try to pick it so that you a “convincing picture”.</a:t>
+              <a:t>However, picking the right window size around the cutoff is difficult. You should try to pick it so that you a “convincing picture”.</a:t>
             </a:r>
           </a:p>
         </p:txBody>
@@ -11891,8 +11887,8 @@
           </a:p>
         </p:txBody>
       </p:sp>
-      <mc:AlternateContent xmlns:mc="http://schemas.openxmlformats.org/markup-compatibility/2006">
-        <mc:Choice xmlns:a14="http://schemas.microsoft.com/office/drawing/2010/main" Requires="a14">
+      <mc:AlternateContent xmlns:mc="http://schemas.openxmlformats.org/markup-compatibility/2006" xmlns:a14="http://schemas.microsoft.com/office/drawing/2010/main">
+        <mc:Choice Requires="a14">
           <p:sp>
             <p:nvSpPr>
               <p:cNvPr id="3" name="Content Placeholder 2"/>
@@ -12370,7 +12366,7 @@
             </p:txBody>
           </p:sp>
         </mc:Choice>
-        <mc:Fallback>
+        <mc:Fallback xmlns="">
           <p:sp>
             <p:nvSpPr>
               <p:cNvPr id="3" name="Content Placeholder 2"/>
@@ -12579,7 +12575,6 @@
               <a:rPr lang="en-US" dirty="0"/>
               <a:t>Probably not.</a:t>
             </a:r>
-            <a:endParaRPr lang="en-US" dirty="0"/>
           </a:p>
         </p:txBody>
       </p:sp>
@@ -12852,8 +12847,8 @@
           </a:p>
         </p:txBody>
       </p:sp>
-      <mc:AlternateContent xmlns:mc="http://schemas.openxmlformats.org/markup-compatibility/2006">
-        <mc:Choice xmlns:a14="http://schemas.microsoft.com/office/drawing/2010/main" Requires="a14">
+      <mc:AlternateContent xmlns:mc="http://schemas.openxmlformats.org/markup-compatibility/2006" xmlns:a14="http://schemas.microsoft.com/office/drawing/2010/main">
+        <mc:Choice Requires="a14">
           <p:sp>
             <p:nvSpPr>
               <p:cNvPr id="3" name="Content Placeholder 2"/>
@@ -13399,7 +13394,7 @@
             </p:txBody>
           </p:sp>
         </mc:Choice>
-        <mc:Fallback>
+        <mc:Fallback xmlns="">
           <p:sp>
             <p:nvSpPr>
               <p:cNvPr id="3" name="Content Placeholder 2"/>
